--- a/Operating system/project4-IPC-and-process-management/体系结构P4DesignReview.pptx
+++ b/Operating system/project4-IPC-and-process-management/体系结构P4DesignReview.pptx
@@ -7724,17 +7724,24 @@
           <a:p>
             <a:r>
               <a:rPr lang="zh-CN" altLang="en-US" sz="2400" dirty="0"/>
-              <a:t>（或者，关中断，让键盘中断进入阻塞？？？猜想</a:t>
+              <a:t>（或者，开</a:t>
+            </a:r>
+            <a:r>
+              <a:rPr lang="en-US" altLang="zh-CN" sz="2400" dirty="0"/>
+              <a:t>	</a:t>
+            </a:r>
+            <a:r>
+              <a:rPr lang="zh-CN" altLang="en-US" sz="2400" dirty="0"/>
+              <a:t>中断，让键盘中断进入阻塞？？？猜想</a:t>
             </a:r>
             <a:r>
               <a:rPr lang="en-US" altLang="zh-CN" sz="2400" dirty="0" err="1"/>
               <a:t>orz</a:t>
             </a:r>
             <a:r>
-              <a:rPr lang="zh-CN" altLang="en-US" sz="2400"/>
+              <a:rPr lang="zh-CN" altLang="en-US" sz="2400" dirty="0"/>
               <a:t>，不要打我）</a:t>
             </a:r>
-            <a:endParaRPr lang="zh-CN" altLang="en-US" sz="2400" dirty="0"/>
           </a:p>
         </p:txBody>
       </p:sp>
